--- a/mkdocs/docs/images/src/what-is-iter8.pptx
+++ b/mkdocs/docs/images/src/what-is-iter8.pptx
@@ -197,7 +197,7 @@
           <a:p>
             <a:fld id="{38B78CBE-37FA-D241-BB4C-CAC5D3B25F49}" type="datetimeFigureOut">
               <a:rPr lang="en-US" smtClean="0"/>
-              <a:t>6/4/21</a:t>
+              <a:t>4/28/21</a:t>
             </a:fld>
             <a:endParaRPr lang="en-US"/>
           </a:p>
@@ -611,7 +611,7 @@
           <a:p>
             <a:fld id="{708812C5-0212-FD42-A0D4-E2E8FF4E3AF5}" type="datetime1">
               <a:rPr lang="en-US" smtClean="0"/>
-              <a:t>6/4/21</a:t>
+              <a:t>4/28/21</a:t>
             </a:fld>
             <a:endParaRPr lang="en-US"/>
           </a:p>
@@ -812,7 +812,7 @@
           <a:p>
             <a:fld id="{D232AC6F-41C3-B34B-9BAA-03ED2F3BC0F6}" type="datetime1">
               <a:rPr lang="en-US" smtClean="0"/>
-              <a:t>6/4/21</a:t>
+              <a:t>4/28/21</a:t>
             </a:fld>
             <a:endParaRPr lang="en-US"/>
           </a:p>
@@ -1023,7 +1023,7 @@
           <a:p>
             <a:fld id="{BEE140C2-F440-9D49-95CB-5965D64CC4A2}" type="datetime1">
               <a:rPr lang="en-US" smtClean="0"/>
-              <a:t>6/4/21</a:t>
+              <a:t>4/28/21</a:t>
             </a:fld>
             <a:endParaRPr lang="en-US"/>
           </a:p>
@@ -1224,7 +1224,7 @@
           <a:p>
             <a:fld id="{CC99F980-FB29-FD47-8508-150F73F1E8B0}" type="datetime1">
               <a:rPr lang="en-US" smtClean="0"/>
-              <a:t>6/4/21</a:t>
+              <a:t>4/28/21</a:t>
             </a:fld>
             <a:endParaRPr lang="en-US"/>
           </a:p>
@@ -1502,7 +1502,7 @@
           <a:p>
             <a:fld id="{D4510983-EA22-9643-8AC0-B3C6499B643B}" type="datetime1">
               <a:rPr lang="en-US" smtClean="0"/>
-              <a:t>6/4/21</a:t>
+              <a:t>4/28/21</a:t>
             </a:fld>
             <a:endParaRPr lang="en-US"/>
           </a:p>
@@ -1770,7 +1770,7 @@
           <a:p>
             <a:fld id="{D5A39195-967D-5D4E-8C6A-C99866996458}" type="datetime1">
               <a:rPr lang="en-US" smtClean="0"/>
-              <a:t>6/4/21</a:t>
+              <a:t>4/28/21</a:t>
             </a:fld>
             <a:endParaRPr lang="en-US"/>
           </a:p>
@@ -2185,7 +2185,7 @@
           <a:p>
             <a:fld id="{5AD771E9-C79D-684D-A158-5EB6E92DE947}" type="datetime1">
               <a:rPr lang="en-US" smtClean="0"/>
-              <a:t>6/4/21</a:t>
+              <a:t>4/28/21</a:t>
             </a:fld>
             <a:endParaRPr lang="en-US"/>
           </a:p>
@@ -2329,7 +2329,7 @@
           <a:p>
             <a:fld id="{693CA161-7E4C-5C4B-B799-DB602A0B9806}" type="datetime1">
               <a:rPr lang="en-US" smtClean="0"/>
-              <a:t>6/4/21</a:t>
+              <a:t>4/28/21</a:t>
             </a:fld>
             <a:endParaRPr lang="en-US"/>
           </a:p>
@@ -2445,7 +2445,7 @@
           <a:p>
             <a:fld id="{6D55FDF3-8BB2-6349-A5FA-057F3D78953D}" type="datetime1">
               <a:rPr lang="en-US" smtClean="0"/>
-              <a:t>6/4/21</a:t>
+              <a:t>4/28/21</a:t>
             </a:fld>
             <a:endParaRPr lang="en-US"/>
           </a:p>
@@ -2759,7 +2759,7 @@
           <a:p>
             <a:fld id="{EEDFACC0-3228-BA4B-942E-CEF38B0101FD}" type="datetime1">
               <a:rPr lang="en-US" smtClean="0"/>
-              <a:t>6/4/21</a:t>
+              <a:t>4/28/21</a:t>
             </a:fld>
             <a:endParaRPr lang="en-US"/>
           </a:p>
@@ -3050,7 +3050,7 @@
           <a:p>
             <a:fld id="{07EEEDBE-E24C-D140-B419-6D8D592D0F1C}" type="datetime1">
               <a:rPr lang="en-US" smtClean="0"/>
-              <a:t>6/4/21</a:t>
+              <a:t>4/28/21</a:t>
             </a:fld>
             <a:endParaRPr lang="en-US"/>
           </a:p>
@@ -3294,7 +3294,7 @@
           <a:p>
             <a:fld id="{E05781A2-A5EF-C54C-A3EF-F62483D37EDC}" type="datetime1">
               <a:rPr lang="en-US" smtClean="0"/>
-              <a:t>6/4/21</a:t>
+              <a:t>4/28/21</a:t>
             </a:fld>
             <a:endParaRPr lang="en-US"/>
           </a:p>
@@ -3944,34 +3944,36 @@
         </p:nvSpPr>
         <p:spPr>
           <a:xfrm>
-            <a:off x="4845082" y="1882898"/>
-            <a:ext cx="1904504" cy="570029"/>
+            <a:off x="4855972" y="1675991"/>
+            <a:ext cx="1904504" cy="717177"/>
           </a:xfrm>
           <a:custGeom>
             <a:avLst/>
             <a:gdLst>
               <a:gd name="connsiteX0" fmla="*/ 0 w 1904504"/>
-              <a:gd name="connsiteY0" fmla="*/ 0 h 570029"/>
+              <a:gd name="connsiteY0" fmla="*/ 0 h 717177"/>
               <a:gd name="connsiteX1" fmla="*/ 457081 w 1904504"/>
-              <a:gd name="connsiteY1" fmla="*/ 0 h 570029"/>
+              <a:gd name="connsiteY1" fmla="*/ 0 h 717177"/>
               <a:gd name="connsiteX2" fmla="*/ 933207 w 1904504"/>
-              <a:gd name="connsiteY2" fmla="*/ 0 h 570029"/>
-              <a:gd name="connsiteX3" fmla="*/ 1409333 w 1904504"/>
-              <a:gd name="connsiteY3" fmla="*/ 0 h 570029"/>
+              <a:gd name="connsiteY2" fmla="*/ 0 h 717177"/>
+              <a:gd name="connsiteX3" fmla="*/ 1428378 w 1904504"/>
+              <a:gd name="connsiteY3" fmla="*/ 0 h 717177"/>
               <a:gd name="connsiteX4" fmla="*/ 1904504 w 1904504"/>
-              <a:gd name="connsiteY4" fmla="*/ 0 h 570029"/>
+              <a:gd name="connsiteY4" fmla="*/ 0 h 717177"/>
               <a:gd name="connsiteX5" fmla="*/ 1904504 w 1904504"/>
-              <a:gd name="connsiteY5" fmla="*/ 570029 h 570029"/>
-              <a:gd name="connsiteX6" fmla="*/ 1428378 w 1904504"/>
-              <a:gd name="connsiteY6" fmla="*/ 570029 h 570029"/>
-              <a:gd name="connsiteX7" fmla="*/ 990342 w 1904504"/>
-              <a:gd name="connsiteY7" fmla="*/ 570029 h 570029"/>
-              <a:gd name="connsiteX8" fmla="*/ 552306 w 1904504"/>
-              <a:gd name="connsiteY8" fmla="*/ 570029 h 570029"/>
+              <a:gd name="connsiteY5" fmla="*/ 365760 h 717177"/>
+              <a:gd name="connsiteX6" fmla="*/ 1904504 w 1904504"/>
+              <a:gd name="connsiteY6" fmla="*/ 717177 h 717177"/>
+              <a:gd name="connsiteX7" fmla="*/ 1390288 w 1904504"/>
+              <a:gd name="connsiteY7" fmla="*/ 717177 h 717177"/>
+              <a:gd name="connsiteX8" fmla="*/ 876072 w 1904504"/>
+              <a:gd name="connsiteY8" fmla="*/ 717177 h 717177"/>
               <a:gd name="connsiteX9" fmla="*/ 0 w 1904504"/>
-              <a:gd name="connsiteY9" fmla="*/ 570029 h 570029"/>
+              <a:gd name="connsiteY9" fmla="*/ 717177 h 717177"/>
               <a:gd name="connsiteX10" fmla="*/ 0 w 1904504"/>
-              <a:gd name="connsiteY10" fmla="*/ 0 h 570029"/>
+              <a:gd name="connsiteY10" fmla="*/ 365760 h 717177"/>
+              <a:gd name="connsiteX11" fmla="*/ 0 w 1904504"/>
+              <a:gd name="connsiteY11" fmla="*/ 0 h 717177"/>
             </a:gdLst>
             <a:ahLst/>
             <a:cxnLst>
@@ -4008,66 +4010,74 @@
               <a:cxn ang="0">
                 <a:pos x="connsiteX10" y="connsiteY10"/>
               </a:cxn>
+              <a:cxn ang="0">
+                <a:pos x="connsiteX11" y="connsiteY11"/>
+              </a:cxn>
             </a:cxnLst>
             <a:rect l="l" t="t" r="r" b="b"/>
             <a:pathLst>
-              <a:path w="1904504" h="570029" fill="none" extrusionOk="0">
+              <a:path w="1904504" h="717177" fill="none" extrusionOk="0">
                 <a:moveTo>
                   <a:pt x="0" y="0"/>
                 </a:moveTo>
                 <a:cubicBezTo>
-                  <a:pt x="173708" y="-45685"/>
-                  <a:pt x="309592" y="13470"/>
+                  <a:pt x="98299" y="-13348"/>
+                  <a:pt x="246893" y="15090"/>
                   <a:pt x="457081" y="0"/>
                 </a:cubicBezTo>
                 <a:cubicBezTo>
-                  <a:pt x="604570" y="-13470"/>
-                  <a:pt x="727944" y="25205"/>
+                  <a:pt x="667269" y="-15090"/>
+                  <a:pt x="712914" y="21346"/>
                   <a:pt x="933207" y="0"/>
                 </a:cubicBezTo>
                 <a:cubicBezTo>
-                  <a:pt x="1138470" y="-25205"/>
-                  <a:pt x="1172702" y="31282"/>
-                  <a:pt x="1409333" y="0"/>
+                  <a:pt x="1153500" y="-21346"/>
+                  <a:pt x="1194290" y="53129"/>
+                  <a:pt x="1428378" y="0"/>
                 </a:cubicBezTo>
                 <a:cubicBezTo>
-                  <a:pt x="1645964" y="-31282"/>
-                  <a:pt x="1726250" y="16999"/>
+                  <a:pt x="1662466" y="-53129"/>
+                  <a:pt x="1729499" y="23253"/>
                   <a:pt x="1904504" y="0"/>
                 </a:cubicBezTo>
                 <a:cubicBezTo>
-                  <a:pt x="1959044" y="251882"/>
-                  <a:pt x="1845168" y="308191"/>
-                  <a:pt x="1904504" y="570029"/>
+                  <a:pt x="1925036" y="94901"/>
+                  <a:pt x="1891266" y="220272"/>
+                  <a:pt x="1904504" y="365760"/>
                 </a:cubicBezTo>
                 <a:cubicBezTo>
-                  <a:pt x="1750131" y="592332"/>
-                  <a:pt x="1647541" y="526313"/>
-                  <a:pt x="1428378" y="570029"/>
+                  <a:pt x="1917742" y="511248"/>
+                  <a:pt x="1891870" y="604435"/>
+                  <a:pt x="1904504" y="717177"/>
                 </a:cubicBezTo>
                 <a:cubicBezTo>
-                  <a:pt x="1209215" y="613745"/>
-                  <a:pt x="1194175" y="518868"/>
-                  <a:pt x="990342" y="570029"/>
+                  <a:pt x="1785163" y="751604"/>
+                  <a:pt x="1626833" y="669802"/>
+                  <a:pt x="1390288" y="717177"/>
                 </a:cubicBezTo>
                 <a:cubicBezTo>
-                  <a:pt x="786509" y="621190"/>
-                  <a:pt x="697700" y="536507"/>
-                  <a:pt x="552306" y="570029"/>
+                  <a:pt x="1153743" y="764552"/>
+                  <a:pt x="1128363" y="671124"/>
+                  <a:pt x="876072" y="717177"/>
                 </a:cubicBezTo>
                 <a:cubicBezTo>
-                  <a:pt x="406912" y="603551"/>
-                  <a:pt x="270404" y="538620"/>
-                  <a:pt x="0" y="570029"/>
+                  <a:pt x="623781" y="763230"/>
+                  <a:pt x="322754" y="684503"/>
+                  <a:pt x="0" y="717177"/>
                 </a:cubicBezTo>
                 <a:cubicBezTo>
-                  <a:pt x="-56324" y="345153"/>
-                  <a:pt x="9136" y="270925"/>
+                  <a:pt x="-39063" y="594451"/>
+                  <a:pt x="538" y="502327"/>
+                  <a:pt x="0" y="365760"/>
+                </a:cubicBezTo>
+                <a:cubicBezTo>
+                  <a:pt x="-538" y="229193"/>
+                  <a:pt x="18999" y="170706"/>
                   <a:pt x="0" y="0"/>
                 </a:cubicBezTo>
                 <a:close/>
               </a:path>
-              <a:path w="1904504" h="570029" stroke="0" extrusionOk="0">
+              <a:path w="1904504" h="717177" stroke="0" extrusionOk="0">
                 <a:moveTo>
                   <a:pt x="0" y="0"/>
                 </a:moveTo>
@@ -4092,33 +4102,43 @@
                   <a:pt x="1904504" y="0"/>
                 </a:cubicBezTo>
                 <a:cubicBezTo>
-                  <a:pt x="1911940" y="221597"/>
-                  <a:pt x="1861251" y="391285"/>
-                  <a:pt x="1904504" y="570029"/>
+                  <a:pt x="1905845" y="79747"/>
+                  <a:pt x="1876426" y="259309"/>
+                  <a:pt x="1904504" y="351417"/>
                 </a:cubicBezTo>
                 <a:cubicBezTo>
-                  <a:pt x="1728126" y="609883"/>
-                  <a:pt x="1570861" y="546748"/>
-                  <a:pt x="1466468" y="570029"/>
+                  <a:pt x="1932582" y="443525"/>
+                  <a:pt x="1874713" y="588711"/>
+                  <a:pt x="1904504" y="717177"/>
                 </a:cubicBezTo>
                 <a:cubicBezTo>
-                  <a:pt x="1362075" y="593310"/>
-                  <a:pt x="1158758" y="528615"/>
-                  <a:pt x="1028432" y="570029"/>
+                  <a:pt x="1750145" y="757776"/>
+                  <a:pt x="1526298" y="691576"/>
+                  <a:pt x="1428378" y="717177"/>
                 </a:cubicBezTo>
                 <a:cubicBezTo>
-                  <a:pt x="898106" y="611443"/>
-                  <a:pt x="769686" y="533598"/>
-                  <a:pt x="514216" y="570029"/>
+                  <a:pt x="1330458" y="742778"/>
+                  <a:pt x="1169632" y="680746"/>
+                  <a:pt x="914162" y="717177"/>
                 </a:cubicBezTo>
                 <a:cubicBezTo>
-                  <a:pt x="258746" y="606460"/>
-                  <a:pt x="142557" y="545509"/>
-                  <a:pt x="0" y="570029"/>
+                  <a:pt x="658692" y="753608"/>
+                  <a:pt x="630900" y="697662"/>
+                  <a:pt x="495171" y="717177"/>
                 </a:cubicBezTo>
                 <a:cubicBezTo>
-                  <a:pt x="-16707" y="453616"/>
-                  <a:pt x="36279" y="256310"/>
+                  <a:pt x="359442" y="736692"/>
+                  <a:pt x="211663" y="681814"/>
+                  <a:pt x="0" y="717177"/>
+                </a:cubicBezTo>
+                <a:cubicBezTo>
+                  <a:pt x="-19116" y="562504"/>
+                  <a:pt x="42260" y="484598"/>
+                  <a:pt x="0" y="358589"/>
+                </a:cubicBezTo>
+                <a:cubicBezTo>
+                  <a:pt x="-42260" y="232580"/>
+                  <a:pt x="25139" y="138712"/>
                   <a:pt x="0" y="0"/>
                 </a:cubicBezTo>
                 <a:close/>
@@ -4195,8 +4215,8 @@
         </p:nvSpPr>
         <p:spPr>
           <a:xfrm>
-            <a:off x="6295697" y="1063915"/>
-            <a:ext cx="2246573" cy="717177"/>
+            <a:off x="7125846" y="1063915"/>
+            <a:ext cx="1416424" cy="717177"/>
           </a:xfrm>
           <a:prstGeom prst="rect">
             <a:avLst/>
@@ -4239,7 +4259,7 @@
                   <a:schemeClr val="tx1"/>
                 </a:solidFill>
               </a:rPr>
-              <a:t>Collect built-in metrics or query metrics from any database</a:t>
+              <a:t>Query metrics from providers</a:t>
             </a:r>
           </a:p>
         </p:txBody>
@@ -4307,6 +4327,52 @@
           </a:p>
         </p:txBody>
       </p:sp>
+      <p:cxnSp>
+        <p:nvCxnSpPr>
+          <p:cNvPr id="33" name="Straight Arrow Connector 32">
+            <a:extLst>
+              <a:ext uri="{FF2B5EF4-FFF2-40B4-BE49-F238E27FC236}">
+                <a16:creationId xmlns:a16="http://schemas.microsoft.com/office/drawing/2014/main" id="{81F292DB-64D0-EF4C-865D-A84AF05CC620}"/>
+              </a:ext>
+            </a:extLst>
+          </p:cNvPr>
+          <p:cNvCxnSpPr>
+            <a:cxnSpLocks/>
+            <a:stCxn id="27" idx="2"/>
+            <a:endCxn id="28" idx="0"/>
+          </p:cNvCxnSpPr>
+          <p:nvPr/>
+        </p:nvCxnSpPr>
+        <p:spPr>
+          <a:xfrm>
+            <a:off x="7834058" y="1781092"/>
+            <a:ext cx="0" cy="517892"/>
+          </a:xfrm>
+          <a:prstGeom prst="straightConnector1">
+            <a:avLst/>
+          </a:prstGeom>
+          <a:ln w="25400">
+            <a:solidFill>
+              <a:srgbClr val="7030A0"/>
+            </a:solidFill>
+            <a:tailEnd type="triangle"/>
+          </a:ln>
+        </p:spPr>
+        <p:style>
+          <a:lnRef idx="1">
+            <a:schemeClr val="accent1"/>
+          </a:lnRef>
+          <a:fillRef idx="0">
+            <a:schemeClr val="accent1"/>
+          </a:fillRef>
+          <a:effectRef idx="0">
+            <a:schemeClr val="accent1"/>
+          </a:effectRef>
+          <a:fontRef idx="minor">
+            <a:schemeClr val="tx1"/>
+          </a:fontRef>
+        </p:style>
+      </p:cxnSp>
       <p:sp>
         <p:nvSpPr>
           <p:cNvPr id="41" name="Rectangle 40">
@@ -4831,19 +4897,19 @@
             </a:extLst>
           </p:cNvPr>
           <p:cNvCxnSpPr>
-            <a:cxnSpLocks/>
-            <a:stCxn id="26" idx="0"/>
             <a:endCxn id="27" idx="1"/>
           </p:cNvCxnSpPr>
           <p:nvPr/>
         </p:nvCxnSpPr>
         <p:spPr>
-          <a:xfrm rot="5400000" flipH="1" flipV="1">
-            <a:off x="5816318" y="1403520"/>
-            <a:ext cx="460394" cy="498363"/>
+          <a:xfrm flipV="1">
+            <a:off x="5808224" y="1422504"/>
+            <a:ext cx="1317622" cy="253487"/>
           </a:xfrm>
-          <a:prstGeom prst="bentConnector2">
-            <a:avLst/>
+          <a:prstGeom prst="bentConnector3">
+            <a:avLst>
+              <a:gd name="adj1" fmla="val -254"/>
+            </a:avLst>
           </a:prstGeom>
           <a:ln w="25400">
             <a:solidFill>
@@ -4885,8 +4951,8 @@
         </p:nvCxnSpPr>
         <p:spPr>
           <a:xfrm rot="10800000">
-            <a:off x="5797335" y="2452927"/>
-            <a:ext cx="1055523" cy="204646"/>
+            <a:off x="5808225" y="2393169"/>
+            <a:ext cx="1044633" cy="264405"/>
           </a:xfrm>
           <a:prstGeom prst="bentConnector2">
             <a:avLst/>
@@ -5313,54 +5379,6 @@
           </a:p>
         </p:txBody>
       </p:sp>
-      <p:cxnSp>
-        <p:nvCxnSpPr>
-          <p:cNvPr id="37" name="Elbow Connector 36">
-            <a:extLst>
-              <a:ext uri="{FF2B5EF4-FFF2-40B4-BE49-F238E27FC236}">
-                <a16:creationId xmlns:a16="http://schemas.microsoft.com/office/drawing/2014/main" id="{26C1542E-BA70-9048-AA50-7899BF93FED1}"/>
-              </a:ext>
-            </a:extLst>
-          </p:cNvPr>
-          <p:cNvCxnSpPr>
-            <a:cxnSpLocks/>
-            <a:stCxn id="27" idx="2"/>
-            <a:endCxn id="28" idx="0"/>
-          </p:cNvCxnSpPr>
-          <p:nvPr/>
-        </p:nvCxnSpPr>
-        <p:spPr>
-          <a:xfrm rot="16200000" flipH="1">
-            <a:off x="7367575" y="1832501"/>
-            <a:ext cx="517892" cy="415074"/>
-          </a:xfrm>
-          <a:prstGeom prst="bentConnector3">
-            <a:avLst>
-              <a:gd name="adj1" fmla="val 50000"/>
-            </a:avLst>
-          </a:prstGeom>
-          <a:ln w="25400">
-            <a:solidFill>
-              <a:srgbClr val="7030A0"/>
-            </a:solidFill>
-            <a:tailEnd type="stealth" w="lg" len="lg"/>
-          </a:ln>
-        </p:spPr>
-        <p:style>
-          <a:lnRef idx="1">
-            <a:schemeClr val="accent1"/>
-          </a:lnRef>
-          <a:fillRef idx="0">
-            <a:schemeClr val="accent1"/>
-          </a:fillRef>
-          <a:effectRef idx="0">
-            <a:schemeClr val="accent1"/>
-          </a:effectRef>
-          <a:fontRef idx="minor">
-            <a:schemeClr val="tx1"/>
-          </a:fontRef>
-        </p:style>
-      </p:cxnSp>
     </p:spTree>
     <p:extLst>
       <p:ext uri="{BB962C8B-B14F-4D97-AF65-F5344CB8AC3E}">
